--- a/Breast Cancer Detection.pptx
+++ b/Breast Cancer Detection.pptx
@@ -227,7 +227,7 @@
           <a:p>
             <a:fld id="{968EA02F-1840-4B29-AB09-74D7F46D9E42}" type="datetimeFigureOut">
               <a:rPr lang="en-US" smtClean="0"/>
-              <a:t>4/18/2023</a:t>
+              <a:t>8/8/2023</a:t>
             </a:fld>
             <a:endParaRPr lang="en-US"/>
           </a:p>
@@ -876,7 +876,7 @@
             <a:fld id="{65579210-3FD8-44EE-8EC4-0B190D95EDAC}" type="datetimeFigureOut">
               <a:rPr lang="en-US" smtClean="0"/>
               <a:pPr/>
-              <a:t>4/18/2023</a:t>
+              <a:t>8/8/2023</a:t>
             </a:fld>
             <a:endParaRPr lang="en-IN"/>
           </a:p>
@@ -1144,7 +1144,7 @@
             <a:fld id="{65579210-3FD8-44EE-8EC4-0B190D95EDAC}" type="datetimeFigureOut">
               <a:rPr lang="en-US" smtClean="0"/>
               <a:pPr/>
-              <a:t>4/18/2023</a:t>
+              <a:t>8/8/2023</a:t>
             </a:fld>
             <a:endParaRPr lang="en-IN"/>
           </a:p>
@@ -1396,7 +1396,7 @@
             <a:fld id="{65579210-3FD8-44EE-8EC4-0B190D95EDAC}" type="datetimeFigureOut">
               <a:rPr lang="en-US" smtClean="0"/>
               <a:pPr/>
-              <a:t>4/18/2023</a:t>
+              <a:t>8/8/2023</a:t>
             </a:fld>
             <a:endParaRPr lang="en-IN"/>
           </a:p>
@@ -1706,7 +1706,7 @@
             <a:fld id="{65579210-3FD8-44EE-8EC4-0B190D95EDAC}" type="datetimeFigureOut">
               <a:rPr lang="en-US" smtClean="0"/>
               <a:pPr/>
-              <a:t>4/18/2023</a:t>
+              <a:t>8/8/2023</a:t>
             </a:fld>
             <a:endParaRPr lang="en-IN"/>
           </a:p>
@@ -2026,7 +2026,7 @@
             <a:fld id="{65579210-3FD8-44EE-8EC4-0B190D95EDAC}" type="datetimeFigureOut">
               <a:rPr lang="en-US" smtClean="0"/>
               <a:pPr/>
-              <a:t>4/18/2023</a:t>
+              <a:t>8/8/2023</a:t>
             </a:fld>
             <a:endParaRPr lang="en-IN"/>
           </a:p>
@@ -2330,7 +2330,7 @@
             <a:fld id="{65579210-3FD8-44EE-8EC4-0B190D95EDAC}" type="datetimeFigureOut">
               <a:rPr lang="en-US" smtClean="0"/>
               <a:pPr/>
-              <a:t>4/18/2023</a:t>
+              <a:t>8/8/2023</a:t>
             </a:fld>
             <a:endParaRPr lang="en-IN"/>
           </a:p>
@@ -2699,7 +2699,7 @@
             <a:fld id="{65579210-3FD8-44EE-8EC4-0B190D95EDAC}" type="datetimeFigureOut">
               <a:rPr lang="en-US" smtClean="0"/>
               <a:pPr/>
-              <a:t>4/18/2023</a:t>
+              <a:t>8/8/2023</a:t>
             </a:fld>
             <a:endParaRPr lang="en-IN"/>
           </a:p>
@@ -2887,7 +2887,7 @@
             <a:fld id="{65579210-3FD8-44EE-8EC4-0B190D95EDAC}" type="datetimeFigureOut">
               <a:rPr lang="en-US" smtClean="0"/>
               <a:pPr/>
-              <a:t>4/18/2023</a:t>
+              <a:t>8/8/2023</a:t>
             </a:fld>
             <a:endParaRPr lang="en-IN"/>
           </a:p>
@@ -3075,7 +3075,7 @@
             <a:fld id="{65579210-3FD8-44EE-8EC4-0B190D95EDAC}" type="datetimeFigureOut">
               <a:rPr lang="en-US" smtClean="0"/>
               <a:pPr/>
-              <a:t>4/18/2023</a:t>
+              <a:t>8/8/2023</a:t>
             </a:fld>
             <a:endParaRPr lang="en-IN"/>
           </a:p>
@@ -3257,7 +3257,7 @@
             <a:fld id="{65579210-3FD8-44EE-8EC4-0B190D95EDAC}" type="datetimeFigureOut">
               <a:rPr lang="en-US" smtClean="0"/>
               <a:pPr/>
-              <a:t>4/18/2023</a:t>
+              <a:t>8/8/2023</a:t>
             </a:fld>
             <a:endParaRPr lang="en-IN"/>
           </a:p>
@@ -3509,7 +3509,7 @@
             <a:fld id="{65579210-3FD8-44EE-8EC4-0B190D95EDAC}" type="datetimeFigureOut">
               <a:rPr lang="en-US" smtClean="0"/>
               <a:pPr/>
-              <a:t>4/18/2023</a:t>
+              <a:t>8/8/2023</a:t>
             </a:fld>
             <a:endParaRPr lang="en-IN"/>
           </a:p>
@@ -3758,7 +3758,7 @@
             <a:fld id="{65579210-3FD8-44EE-8EC4-0B190D95EDAC}" type="datetimeFigureOut">
               <a:rPr lang="en-US" smtClean="0"/>
               <a:pPr/>
-              <a:t>4/18/2023</a:t>
+              <a:t>8/8/2023</a:t>
             </a:fld>
             <a:endParaRPr lang="en-IN"/>
           </a:p>
@@ -4149,7 +4149,7 @@
             <a:fld id="{65579210-3FD8-44EE-8EC4-0B190D95EDAC}" type="datetimeFigureOut">
               <a:rPr lang="en-US" smtClean="0"/>
               <a:pPr/>
-              <a:t>4/18/2023</a:t>
+              <a:t>8/8/2023</a:t>
             </a:fld>
             <a:endParaRPr lang="en-IN"/>
           </a:p>
@@ -4280,7 +4280,7 @@
             <a:fld id="{65579210-3FD8-44EE-8EC4-0B190D95EDAC}" type="datetimeFigureOut">
               <a:rPr lang="en-US" smtClean="0"/>
               <a:pPr/>
-              <a:t>4/18/2023</a:t>
+              <a:t>8/8/2023</a:t>
             </a:fld>
             <a:endParaRPr lang="en-IN"/>
           </a:p>
@@ -4377,7 +4377,7 @@
             <a:fld id="{65579210-3FD8-44EE-8EC4-0B190D95EDAC}" type="datetimeFigureOut">
               <a:rPr lang="en-US" smtClean="0"/>
               <a:pPr/>
-              <a:t>4/18/2023</a:t>
+              <a:t>8/8/2023</a:t>
             </a:fld>
             <a:endParaRPr lang="en-IN"/>
           </a:p>
@@ -4634,7 +4634,7 @@
             <a:fld id="{65579210-3FD8-44EE-8EC4-0B190D95EDAC}" type="datetimeFigureOut">
               <a:rPr lang="en-US" smtClean="0"/>
               <a:pPr/>
-              <a:t>4/18/2023</a:t>
+              <a:t>8/8/2023</a:t>
             </a:fld>
             <a:endParaRPr lang="en-IN"/>
           </a:p>
@@ -4919,7 +4919,7 @@
             <a:fld id="{65579210-3FD8-44EE-8EC4-0B190D95EDAC}" type="datetimeFigureOut">
               <a:rPr lang="en-US" smtClean="0"/>
               <a:pPr/>
-              <a:t>4/18/2023</a:t>
+              <a:t>8/8/2023</a:t>
             </a:fld>
             <a:endParaRPr lang="en-IN"/>
           </a:p>
@@ -5332,7 +5332,7 @@
             <a:fld id="{65579210-3FD8-44EE-8EC4-0B190D95EDAC}" type="datetimeFigureOut">
               <a:rPr lang="en-US" smtClean="0"/>
               <a:pPr/>
-              <a:t>4/18/2023</a:t>
+              <a:t>8/8/2023</a:t>
             </a:fld>
             <a:endParaRPr lang="en-IN"/>
           </a:p>
@@ -6042,8 +6042,25 @@
                 <a:latin typeface="Times New Roman" panose="02020603050405020304" pitchFamily="18" charset="0"/>
                 <a:cs typeface="Times New Roman" panose="02020603050405020304" pitchFamily="18" charset="0"/>
               </a:rPr>
-              <a:t>Radhika Tyagi(209302031)</a:t>
-            </a:r>
+              <a:t>Radhika Tyagi</a:t>
+            </a:r>
+            <a:r>
+              <a:rPr lang="en-US" sz="2200">
+                <a:solidFill>
+                  <a:schemeClr val="bg1"/>
+                </a:solidFill>
+                <a:latin typeface="Times New Roman" panose="02020603050405020304" pitchFamily="18" charset="0"/>
+                <a:cs typeface="Times New Roman" panose="02020603050405020304" pitchFamily="18" charset="0"/>
+              </a:rPr>
+              <a:t>(209302031)</a:t>
+            </a:r>
+            <a:endParaRPr lang="en-US" sz="2200" dirty="0">
+              <a:solidFill>
+                <a:schemeClr val="bg1"/>
+              </a:solidFill>
+              <a:latin typeface="Times New Roman" panose="02020603050405020304" pitchFamily="18" charset="0"/>
+              <a:cs typeface="Times New Roman" panose="02020603050405020304" pitchFamily="18" charset="0"/>
+            </a:endParaRPr>
           </a:p>
           <a:p>
             <a:endParaRPr lang="en-US" sz="1600" dirty="0">
